--- a/283 - Spirit of God.pptx
+++ b/283 - Spirit of God.pptx
@@ -243,7 +243,7 @@
           <a:p>
             <a:fld id="{32F7251A-AE54-443C-B8FE-5F636E835EBF}" type="datetimeFigureOut">
               <a:rPr lang="en-US" smtClean="0"/>
-              <a:t>3/18/2018</a:t>
+              <a:t>4/7/2019</a:t>
             </a:fld>
             <a:endParaRPr lang="en-US"/>
           </a:p>
@@ -411,7 +411,7 @@
           <a:p>
             <a:fld id="{32F7251A-AE54-443C-B8FE-5F636E835EBF}" type="datetimeFigureOut">
               <a:rPr lang="en-US" smtClean="0"/>
-              <a:t>3/18/2018</a:t>
+              <a:t>4/7/2019</a:t>
             </a:fld>
             <a:endParaRPr lang="en-US"/>
           </a:p>
@@ -589,7 +589,7 @@
           <a:p>
             <a:fld id="{32F7251A-AE54-443C-B8FE-5F636E835EBF}" type="datetimeFigureOut">
               <a:rPr lang="en-US" smtClean="0"/>
-              <a:t>3/18/2018</a:t>
+              <a:t>4/7/2019</a:t>
             </a:fld>
             <a:endParaRPr lang="en-US"/>
           </a:p>
@@ -757,7 +757,7 @@
           <a:p>
             <a:fld id="{32F7251A-AE54-443C-B8FE-5F636E835EBF}" type="datetimeFigureOut">
               <a:rPr lang="en-US" smtClean="0"/>
-              <a:t>3/18/2018</a:t>
+              <a:t>4/7/2019</a:t>
             </a:fld>
             <a:endParaRPr lang="en-US"/>
           </a:p>
@@ -1002,7 +1002,7 @@
           <a:p>
             <a:fld id="{32F7251A-AE54-443C-B8FE-5F636E835EBF}" type="datetimeFigureOut">
               <a:rPr lang="en-US" smtClean="0"/>
-              <a:t>3/18/2018</a:t>
+              <a:t>4/7/2019</a:t>
             </a:fld>
             <a:endParaRPr lang="en-US"/>
           </a:p>
@@ -1231,7 +1231,7 @@
           <a:p>
             <a:fld id="{32F7251A-AE54-443C-B8FE-5F636E835EBF}" type="datetimeFigureOut">
               <a:rPr lang="en-US" smtClean="0"/>
-              <a:t>3/18/2018</a:t>
+              <a:t>4/7/2019</a:t>
             </a:fld>
             <a:endParaRPr lang="en-US"/>
           </a:p>
@@ -1595,7 +1595,7 @@
           <a:p>
             <a:fld id="{32F7251A-AE54-443C-B8FE-5F636E835EBF}" type="datetimeFigureOut">
               <a:rPr lang="en-US" smtClean="0"/>
-              <a:t>3/18/2018</a:t>
+              <a:t>4/7/2019</a:t>
             </a:fld>
             <a:endParaRPr lang="en-US"/>
           </a:p>
@@ -1712,7 +1712,7 @@
           <a:p>
             <a:fld id="{32F7251A-AE54-443C-B8FE-5F636E835EBF}" type="datetimeFigureOut">
               <a:rPr lang="en-US" smtClean="0"/>
-              <a:t>3/18/2018</a:t>
+              <a:t>4/7/2019</a:t>
             </a:fld>
             <a:endParaRPr lang="en-US"/>
           </a:p>
@@ -1807,7 +1807,7 @@
           <a:p>
             <a:fld id="{32F7251A-AE54-443C-B8FE-5F636E835EBF}" type="datetimeFigureOut">
               <a:rPr lang="en-US" smtClean="0"/>
-              <a:t>3/18/2018</a:t>
+              <a:t>4/7/2019</a:t>
             </a:fld>
             <a:endParaRPr lang="en-US"/>
           </a:p>
@@ -2082,7 +2082,7 @@
           <a:p>
             <a:fld id="{32F7251A-AE54-443C-B8FE-5F636E835EBF}" type="datetimeFigureOut">
               <a:rPr lang="en-US" smtClean="0"/>
-              <a:t>3/18/2018</a:t>
+              <a:t>4/7/2019</a:t>
             </a:fld>
             <a:endParaRPr lang="en-US"/>
           </a:p>
@@ -2334,7 +2334,7 @@
           <a:p>
             <a:fld id="{32F7251A-AE54-443C-B8FE-5F636E835EBF}" type="datetimeFigureOut">
               <a:rPr lang="en-US" smtClean="0"/>
-              <a:t>3/18/2018</a:t>
+              <a:t>4/7/2019</a:t>
             </a:fld>
             <a:endParaRPr lang="en-US"/>
           </a:p>
@@ -2548,7 +2548,7 @@
           <a:p>
             <a:fld id="{32F7251A-AE54-443C-B8FE-5F636E835EBF}" type="datetimeFigureOut">
               <a:rPr lang="en-US" smtClean="0"/>
-              <a:t>3/18/2018</a:t>
+              <a:t>4/7/2019</a:t>
             </a:fld>
             <a:endParaRPr lang="en-US"/>
           </a:p>

--- a/283 - Spirit of God.pptx
+++ b/283 - Spirit of God.pptx
@@ -243,7 +243,7 @@
           <a:p>
             <a:fld id="{32F7251A-AE54-443C-B8FE-5F636E835EBF}" type="datetimeFigureOut">
               <a:rPr lang="en-US" smtClean="0"/>
-              <a:t>4/7/2019</a:t>
+              <a:t>3/8/2020</a:t>
             </a:fld>
             <a:endParaRPr lang="en-US"/>
           </a:p>
@@ -411,7 +411,7 @@
           <a:p>
             <a:fld id="{32F7251A-AE54-443C-B8FE-5F636E835EBF}" type="datetimeFigureOut">
               <a:rPr lang="en-US" smtClean="0"/>
-              <a:t>4/7/2019</a:t>
+              <a:t>3/8/2020</a:t>
             </a:fld>
             <a:endParaRPr lang="en-US"/>
           </a:p>
@@ -589,7 +589,7 @@
           <a:p>
             <a:fld id="{32F7251A-AE54-443C-B8FE-5F636E835EBF}" type="datetimeFigureOut">
               <a:rPr lang="en-US" smtClean="0"/>
-              <a:t>4/7/2019</a:t>
+              <a:t>3/8/2020</a:t>
             </a:fld>
             <a:endParaRPr lang="en-US"/>
           </a:p>
@@ -757,7 +757,7 @@
           <a:p>
             <a:fld id="{32F7251A-AE54-443C-B8FE-5F636E835EBF}" type="datetimeFigureOut">
               <a:rPr lang="en-US" smtClean="0"/>
-              <a:t>4/7/2019</a:t>
+              <a:t>3/8/2020</a:t>
             </a:fld>
             <a:endParaRPr lang="en-US"/>
           </a:p>
@@ -1002,7 +1002,7 @@
           <a:p>
             <a:fld id="{32F7251A-AE54-443C-B8FE-5F636E835EBF}" type="datetimeFigureOut">
               <a:rPr lang="en-US" smtClean="0"/>
-              <a:t>4/7/2019</a:t>
+              <a:t>3/8/2020</a:t>
             </a:fld>
             <a:endParaRPr lang="en-US"/>
           </a:p>
@@ -1231,7 +1231,7 @@
           <a:p>
             <a:fld id="{32F7251A-AE54-443C-B8FE-5F636E835EBF}" type="datetimeFigureOut">
               <a:rPr lang="en-US" smtClean="0"/>
-              <a:t>4/7/2019</a:t>
+              <a:t>3/8/2020</a:t>
             </a:fld>
             <a:endParaRPr lang="en-US"/>
           </a:p>
@@ -1595,7 +1595,7 @@
           <a:p>
             <a:fld id="{32F7251A-AE54-443C-B8FE-5F636E835EBF}" type="datetimeFigureOut">
               <a:rPr lang="en-US" smtClean="0"/>
-              <a:t>4/7/2019</a:t>
+              <a:t>3/8/2020</a:t>
             </a:fld>
             <a:endParaRPr lang="en-US"/>
           </a:p>
@@ -1712,7 +1712,7 @@
           <a:p>
             <a:fld id="{32F7251A-AE54-443C-B8FE-5F636E835EBF}" type="datetimeFigureOut">
               <a:rPr lang="en-US" smtClean="0"/>
-              <a:t>4/7/2019</a:t>
+              <a:t>3/8/2020</a:t>
             </a:fld>
             <a:endParaRPr lang="en-US"/>
           </a:p>
@@ -1807,7 +1807,7 @@
           <a:p>
             <a:fld id="{32F7251A-AE54-443C-B8FE-5F636E835EBF}" type="datetimeFigureOut">
               <a:rPr lang="en-US" smtClean="0"/>
-              <a:t>4/7/2019</a:t>
+              <a:t>3/8/2020</a:t>
             </a:fld>
             <a:endParaRPr lang="en-US"/>
           </a:p>
@@ -2082,7 +2082,7 @@
           <a:p>
             <a:fld id="{32F7251A-AE54-443C-B8FE-5F636E835EBF}" type="datetimeFigureOut">
               <a:rPr lang="en-US" smtClean="0"/>
-              <a:t>4/7/2019</a:t>
+              <a:t>3/8/2020</a:t>
             </a:fld>
             <a:endParaRPr lang="en-US"/>
           </a:p>
@@ -2334,7 +2334,7 @@
           <a:p>
             <a:fld id="{32F7251A-AE54-443C-B8FE-5F636E835EBF}" type="datetimeFigureOut">
               <a:rPr lang="en-US" smtClean="0"/>
-              <a:t>4/7/2019</a:t>
+              <a:t>3/8/2020</a:t>
             </a:fld>
             <a:endParaRPr lang="en-US"/>
           </a:p>
@@ -2401,7 +2401,9 @@
     <p:bg>
       <p:bgPr>
         <a:solidFill>
-          <a:srgbClr val="333333"/>
+          <a:schemeClr val="bg1">
+            <a:lumMod val="10000"/>
+          </a:schemeClr>
         </a:solidFill>
         <a:effectLst/>
       </p:bgPr>
@@ -2548,7 +2550,7 @@
           <a:p>
             <a:fld id="{32F7251A-AE54-443C-B8FE-5F636E835EBF}" type="datetimeFigureOut">
               <a:rPr lang="en-US" smtClean="0"/>
-              <a:t>4/7/2019</a:t>
+              <a:t>3/8/2020</a:t>
             </a:fld>
             <a:endParaRPr lang="en-US"/>
           </a:p>
@@ -3030,15 +3032,23 @@
           <a:bodyPr wrap="square" rtlCol="0" anchor="ctr">
             <a:spAutoFit/>
           </a:bodyPr>
-          <a:lstStyle/>
-          <a:p>
-            <a:pPr algn="ctr"/>
-            <a:r>
-              <a:rPr lang="en-US" sz="4800" dirty="0">
+          <a:lstStyle>
+            <a:defPPr>
+              <a:defRPr lang="en-US"/>
+            </a:defPPr>
+            <a:lvl1pPr algn="ctr">
+              <a:defRPr sz="3200" u="sng">
                 <a:solidFill>
                   <a:schemeClr val="bg1"/>
                 </a:solidFill>
-              </a:rPr>
+                <a:latin typeface="Assistant SemiBold" panose="00000700000000000000" pitchFamily="2" charset="-79"/>
+                <a:cs typeface="Assistant SemiBold" panose="00000700000000000000" pitchFamily="2" charset="-79"/>
+              </a:defRPr>
+            </a:lvl1pPr>
+          </a:lstStyle>
+          <a:p>
+            <a:r>
+              <a:rPr lang="en-US" dirty="0"/>
               <a:t>“The Spirit of God, Like a Fire is Burning”</a:t>
             </a:r>
           </a:p>
@@ -3052,8 +3062,8 @@
         </p:nvSpPr>
         <p:spPr>
           <a:xfrm>
-            <a:off x="0" y="215167"/>
-            <a:ext cx="12192000" cy="5078313"/>
+            <a:off x="0" y="724155"/>
+            <a:ext cx="12192000" cy="3075453"/>
           </a:xfrm>
           <a:prstGeom prst="rect">
             <a:avLst/>
@@ -3064,116 +3074,76 @@
           <a:bodyPr wrap="square" rtlCol="0">
             <a:spAutoFit/>
           </a:bodyPr>
-          <a:lstStyle/>
-          <a:p>
-            <a:pPr algn="ctr"/>
-            <a:r>
-              <a:rPr lang="en-US" sz="3600" dirty="0">
+          <a:lstStyle>
+            <a:defPPr>
+              <a:defRPr lang="en-US"/>
+            </a:defPPr>
+            <a:lvl1pPr algn="ctr">
+              <a:defRPr sz="2800" spc="50">
                 <a:solidFill>
                   <a:schemeClr val="bg1"/>
                 </a:solidFill>
-              </a:rPr>
+                <a:latin typeface="Assistant" panose="00000500000000000000" pitchFamily="2" charset="-79"/>
+                <a:cs typeface="Assistant" panose="00000500000000000000" pitchFamily="2" charset="-79"/>
+              </a:defRPr>
+            </a:lvl1pPr>
+          </a:lstStyle>
+          <a:p>
+            <a:r>
+              <a:rPr lang="en-US" dirty="0"/>
               <a:t>The Spirit of God like a fire is burning;</a:t>
             </a:r>
           </a:p>
           <a:p>
-            <a:pPr algn="ctr"/>
-            <a:r>
-              <a:rPr lang="en-US" sz="3600" dirty="0">
-                <a:solidFill>
-                  <a:schemeClr val="bg1"/>
-                </a:solidFill>
-              </a:rPr>
+            <a:r>
+              <a:rPr lang="en-US" dirty="0"/>
               <a:t>The latter-day glory begins to come forth;</a:t>
             </a:r>
           </a:p>
           <a:p>
-            <a:pPr algn="ctr"/>
-            <a:r>
-              <a:rPr lang="en-US" sz="3600" dirty="0">
-                <a:solidFill>
-                  <a:schemeClr val="bg1"/>
-                </a:solidFill>
-              </a:rPr>
+            <a:r>
+              <a:rPr lang="en-US" dirty="0"/>
               <a:t>The visions and blessings of old are returning;</a:t>
             </a:r>
           </a:p>
           <a:p>
-            <a:pPr algn="ctr"/>
-            <a:r>
-              <a:rPr lang="en-US" sz="3600" dirty="0">
-                <a:solidFill>
-                  <a:schemeClr val="bg1"/>
-                </a:solidFill>
-              </a:rPr>
+            <a:r>
+              <a:rPr lang="en-US" dirty="0"/>
               <a:t>The angels are coming to visit the Earth.</a:t>
             </a:r>
           </a:p>
           <a:p>
-            <a:pPr algn="ctr"/>
-            <a:endParaRPr lang="en-US" sz="3600" dirty="0">
-              <a:solidFill>
-                <a:schemeClr val="bg1"/>
-              </a:solidFill>
-            </a:endParaRPr>
-          </a:p>
-          <a:p>
-            <a:pPr algn="ctr"/>
-            <a:r>
-              <a:rPr lang="en-US" sz="3600" dirty="0">
-                <a:solidFill>
-                  <a:schemeClr val="bg1"/>
-                </a:solidFill>
-              </a:rPr>
+            <a:endParaRPr lang="en-US" dirty="0"/>
+          </a:p>
+          <a:p>
+            <a:r>
+              <a:rPr lang="en-US" dirty="0"/>
               <a:t>We’ll sing and we’ll shout with the armies of heaven,</a:t>
             </a:r>
           </a:p>
           <a:p>
-            <a:pPr algn="ctr"/>
-            <a:r>
-              <a:rPr lang="en-US" sz="3600" dirty="0">
-                <a:solidFill>
-                  <a:schemeClr val="bg1"/>
-                </a:solidFill>
-              </a:rPr>
+            <a:r>
+              <a:rPr lang="en-US" dirty="0"/>
               <a:t>“Hosannah, </a:t>
             </a:r>
             <a:r>
-              <a:rPr lang="en-US" sz="3600" dirty="0" err="1">
-                <a:solidFill>
-                  <a:schemeClr val="bg1"/>
-                </a:solidFill>
-              </a:rPr>
+              <a:rPr lang="en-US" dirty="0" err="1"/>
               <a:t>hosannah</a:t>
             </a:r>
             <a:r>
-              <a:rPr lang="en-US" sz="3600" dirty="0">
-                <a:solidFill>
-                  <a:schemeClr val="bg1"/>
-                </a:solidFill>
-              </a:rPr>
+              <a:rPr lang="en-US" dirty="0"/>
               <a:t> to God and the Lamb!”</a:t>
             </a:r>
           </a:p>
           <a:p>
-            <a:pPr algn="ctr"/>
-            <a:r>
-              <a:rPr lang="en-US" sz="3600" dirty="0">
-                <a:solidFill>
-                  <a:schemeClr val="bg1"/>
-                </a:solidFill>
-              </a:rPr>
+            <a:r>
+              <a:rPr lang="en-US" dirty="0"/>
               <a:t>Let glory to them in the highest be given</a:t>
             </a:r>
           </a:p>
           <a:p>
-            <a:pPr algn="ctr"/>
-            <a:r>
-              <a:rPr lang="en-US" sz="3600" dirty="0">
-                <a:solidFill>
-                  <a:schemeClr val="bg1"/>
-                </a:solidFill>
-              </a:rPr>
+            <a:r>
+              <a:rPr lang="en-US" dirty="0"/>
               <a:t>Henceforth and forever!  Amen, and Amen!</a:t>
             </a:r>
           </a:p>
@@ -3286,15 +3256,23 @@
           <a:bodyPr wrap="square" rtlCol="0" anchor="ctr">
             <a:spAutoFit/>
           </a:bodyPr>
-          <a:lstStyle/>
-          <a:p>
-            <a:pPr algn="ctr"/>
-            <a:r>
-              <a:rPr lang="en-US" sz="4800" dirty="0">
+          <a:lstStyle>
+            <a:defPPr>
+              <a:defRPr lang="en-US"/>
+            </a:defPPr>
+            <a:lvl1pPr algn="ctr">
+              <a:defRPr sz="3200" u="sng">
                 <a:solidFill>
                   <a:schemeClr val="bg1"/>
                 </a:solidFill>
-              </a:rPr>
+                <a:latin typeface="Assistant SemiBold" panose="00000700000000000000" pitchFamily="2" charset="-79"/>
+                <a:cs typeface="Assistant SemiBold" panose="00000700000000000000" pitchFamily="2" charset="-79"/>
+              </a:defRPr>
+            </a:lvl1pPr>
+          </a:lstStyle>
+          <a:p>
+            <a:r>
+              <a:rPr lang="en-US" dirty="0"/>
               <a:t>“The Spirit of God, Like a Fire is Burning”</a:t>
             </a:r>
           </a:p>
@@ -3308,8 +3286,8 @@
         </p:nvSpPr>
         <p:spPr>
           <a:xfrm>
-            <a:off x="0" y="215167"/>
-            <a:ext cx="12192000" cy="5078313"/>
+            <a:off x="0" y="724155"/>
+            <a:ext cx="12192000" cy="3075453"/>
           </a:xfrm>
           <a:prstGeom prst="rect">
             <a:avLst/>
@@ -3320,116 +3298,76 @@
           <a:bodyPr wrap="square" rtlCol="0">
             <a:spAutoFit/>
           </a:bodyPr>
-          <a:lstStyle/>
-          <a:p>
-            <a:pPr algn="ctr"/>
-            <a:r>
-              <a:rPr lang="en-US" sz="3600" dirty="0">
+          <a:lstStyle>
+            <a:defPPr>
+              <a:defRPr lang="en-US"/>
+            </a:defPPr>
+            <a:lvl1pPr algn="ctr">
+              <a:defRPr sz="2800" spc="50">
                 <a:solidFill>
                   <a:schemeClr val="bg1"/>
                 </a:solidFill>
-              </a:rPr>
+                <a:latin typeface="Assistant" panose="00000500000000000000" pitchFamily="2" charset="-79"/>
+                <a:cs typeface="Assistant" panose="00000500000000000000" pitchFamily="2" charset="-79"/>
+              </a:defRPr>
+            </a:lvl1pPr>
+          </a:lstStyle>
+          <a:p>
+            <a:r>
+              <a:rPr lang="en-US" dirty="0"/>
               <a:t>The Lord is extending His saints’ understanding,</a:t>
             </a:r>
           </a:p>
           <a:p>
-            <a:pPr algn="ctr"/>
-            <a:r>
-              <a:rPr lang="en-US" sz="3600" dirty="0">
-                <a:solidFill>
-                  <a:schemeClr val="bg1"/>
-                </a:solidFill>
-              </a:rPr>
+            <a:r>
+              <a:rPr lang="en-US" dirty="0"/>
               <a:t>Restoring their judges and all as at first;</a:t>
             </a:r>
           </a:p>
           <a:p>
-            <a:pPr algn="ctr"/>
-            <a:r>
-              <a:rPr lang="en-US" sz="3600" dirty="0">
-                <a:solidFill>
-                  <a:schemeClr val="bg1"/>
-                </a:solidFill>
-              </a:rPr>
+            <a:r>
+              <a:rPr lang="en-US" dirty="0"/>
               <a:t>The knowledge and power of God are expanding;</a:t>
             </a:r>
           </a:p>
           <a:p>
-            <a:pPr algn="ctr"/>
-            <a:r>
-              <a:rPr lang="en-US" sz="3600" dirty="0">
-                <a:solidFill>
-                  <a:schemeClr val="bg1"/>
-                </a:solidFill>
-              </a:rPr>
+            <a:r>
+              <a:rPr lang="en-US" dirty="0"/>
               <a:t>The veil o’er the Earth is beginning to burst!</a:t>
             </a:r>
           </a:p>
           <a:p>
-            <a:pPr algn="ctr"/>
-            <a:endParaRPr lang="en-US" sz="3600" dirty="0">
-              <a:solidFill>
-                <a:schemeClr val="bg1"/>
-              </a:solidFill>
-            </a:endParaRPr>
-          </a:p>
-          <a:p>
-            <a:pPr algn="ctr"/>
-            <a:r>
-              <a:rPr lang="en-US" sz="3600" dirty="0">
-                <a:solidFill>
-                  <a:schemeClr val="bg1"/>
-                </a:solidFill>
-              </a:rPr>
+            <a:endParaRPr lang="en-US" dirty="0"/>
+          </a:p>
+          <a:p>
+            <a:r>
+              <a:rPr lang="en-US" dirty="0"/>
               <a:t>We’ll sing and we’ll shout with the armies of heaven,</a:t>
             </a:r>
           </a:p>
           <a:p>
-            <a:pPr algn="ctr"/>
-            <a:r>
-              <a:rPr lang="en-US" sz="3600" dirty="0">
-                <a:solidFill>
-                  <a:schemeClr val="bg1"/>
-                </a:solidFill>
-              </a:rPr>
+            <a:r>
+              <a:rPr lang="en-US" dirty="0"/>
               <a:t>“Hosannah, </a:t>
             </a:r>
             <a:r>
-              <a:rPr lang="en-US" sz="3600" dirty="0" err="1">
-                <a:solidFill>
-                  <a:schemeClr val="bg1"/>
-                </a:solidFill>
-              </a:rPr>
+              <a:rPr lang="en-US" dirty="0" err="1"/>
               <a:t>hosannah</a:t>
             </a:r>
             <a:r>
-              <a:rPr lang="en-US" sz="3600" dirty="0">
-                <a:solidFill>
-                  <a:schemeClr val="bg1"/>
-                </a:solidFill>
-              </a:rPr>
+              <a:rPr lang="en-US" dirty="0"/>
               <a:t> to God and the Lamb!”</a:t>
             </a:r>
           </a:p>
           <a:p>
-            <a:pPr algn="ctr"/>
-            <a:r>
-              <a:rPr lang="en-US" sz="3600" dirty="0">
-                <a:solidFill>
-                  <a:schemeClr val="bg1"/>
-                </a:solidFill>
-              </a:rPr>
+            <a:r>
+              <a:rPr lang="en-US" dirty="0"/>
               <a:t>Let glory to them in the highest be given</a:t>
             </a:r>
           </a:p>
           <a:p>
-            <a:pPr algn="ctr"/>
-            <a:r>
-              <a:rPr lang="en-US" sz="3600" dirty="0">
-                <a:solidFill>
-                  <a:schemeClr val="bg1"/>
-                </a:solidFill>
-              </a:rPr>
+            <a:r>
+              <a:rPr lang="en-US" dirty="0"/>
               <a:t>Henceforth and forever!  Amen, and Amen!</a:t>
             </a:r>
           </a:p>
@@ -3542,15 +3480,23 @@
           <a:bodyPr wrap="square" rtlCol="0" anchor="ctr">
             <a:spAutoFit/>
           </a:bodyPr>
-          <a:lstStyle/>
-          <a:p>
-            <a:pPr algn="ctr"/>
-            <a:r>
-              <a:rPr lang="en-US" sz="4800" dirty="0">
+          <a:lstStyle>
+            <a:defPPr>
+              <a:defRPr lang="en-US"/>
+            </a:defPPr>
+            <a:lvl1pPr algn="ctr">
+              <a:defRPr sz="3200" u="sng">
                 <a:solidFill>
                   <a:schemeClr val="bg1"/>
                 </a:solidFill>
-              </a:rPr>
+                <a:latin typeface="Assistant SemiBold" panose="00000700000000000000" pitchFamily="2" charset="-79"/>
+                <a:cs typeface="Assistant SemiBold" panose="00000700000000000000" pitchFamily="2" charset="-79"/>
+              </a:defRPr>
+            </a:lvl1pPr>
+          </a:lstStyle>
+          <a:p>
+            <a:r>
+              <a:rPr lang="en-US" dirty="0"/>
               <a:t>“The Spirit of God, Like a Fire is Burning”</a:t>
             </a:r>
           </a:p>
@@ -3564,8 +3510,8 @@
         </p:nvSpPr>
         <p:spPr>
           <a:xfrm>
-            <a:off x="0" y="215167"/>
-            <a:ext cx="12192000" cy="5078313"/>
+            <a:off x="0" y="724155"/>
+            <a:ext cx="12192000" cy="3075453"/>
           </a:xfrm>
           <a:prstGeom prst="rect">
             <a:avLst/>
@@ -3576,116 +3522,76 @@
           <a:bodyPr wrap="square" rtlCol="0">
             <a:spAutoFit/>
           </a:bodyPr>
-          <a:lstStyle/>
-          <a:p>
-            <a:pPr algn="ctr"/>
-            <a:r>
-              <a:rPr lang="en-US" sz="3600" dirty="0">
+          <a:lstStyle>
+            <a:defPPr>
+              <a:defRPr lang="en-US"/>
+            </a:defPPr>
+            <a:lvl1pPr algn="ctr">
+              <a:defRPr sz="2800" spc="50">
                 <a:solidFill>
                   <a:schemeClr val="bg1"/>
                 </a:solidFill>
-              </a:rPr>
+                <a:latin typeface="Assistant" panose="00000500000000000000" pitchFamily="2" charset="-79"/>
+                <a:cs typeface="Assistant" panose="00000500000000000000" pitchFamily="2" charset="-79"/>
+              </a:defRPr>
+            </a:lvl1pPr>
+          </a:lstStyle>
+          <a:p>
+            <a:r>
+              <a:rPr lang="en-US" dirty="0"/>
               <a:t>We call in our solemn assemblies, in spirit,</a:t>
             </a:r>
           </a:p>
           <a:p>
-            <a:pPr algn="ctr"/>
-            <a:r>
-              <a:rPr lang="en-US" sz="3600" dirty="0">
-                <a:solidFill>
-                  <a:schemeClr val="bg1"/>
-                </a:solidFill>
-              </a:rPr>
+            <a:r>
+              <a:rPr lang="en-US" dirty="0"/>
               <a:t>To spread forth the kingdom of heaven abroad,</a:t>
             </a:r>
           </a:p>
           <a:p>
-            <a:pPr algn="ctr"/>
-            <a:r>
-              <a:rPr lang="en-US" sz="3600" dirty="0">
-                <a:solidFill>
-                  <a:schemeClr val="bg1"/>
-                </a:solidFill>
-              </a:rPr>
+            <a:r>
+              <a:rPr lang="en-US" dirty="0"/>
               <a:t>That we through our faith may begin to inherit</a:t>
             </a:r>
           </a:p>
           <a:p>
-            <a:pPr algn="ctr"/>
-            <a:r>
-              <a:rPr lang="en-US" sz="3600" dirty="0">
-                <a:solidFill>
-                  <a:schemeClr val="bg1"/>
-                </a:solidFill>
-              </a:rPr>
+            <a:r>
+              <a:rPr lang="en-US" dirty="0"/>
               <a:t>The visions and blessings and glories of God.</a:t>
             </a:r>
           </a:p>
           <a:p>
-            <a:pPr algn="ctr"/>
-            <a:endParaRPr lang="en-US" sz="3600" dirty="0">
-              <a:solidFill>
-                <a:schemeClr val="bg1"/>
-              </a:solidFill>
-            </a:endParaRPr>
-          </a:p>
-          <a:p>
-            <a:pPr algn="ctr"/>
-            <a:r>
-              <a:rPr lang="en-US" sz="3600" dirty="0">
-                <a:solidFill>
-                  <a:schemeClr val="bg1"/>
-                </a:solidFill>
-              </a:rPr>
+            <a:endParaRPr lang="en-US" dirty="0"/>
+          </a:p>
+          <a:p>
+            <a:r>
+              <a:rPr lang="en-US" dirty="0"/>
               <a:t>We’ll sing and we’ll shout with the armies of heaven,</a:t>
             </a:r>
           </a:p>
           <a:p>
-            <a:pPr algn="ctr"/>
-            <a:r>
-              <a:rPr lang="en-US" sz="3600" dirty="0">
-                <a:solidFill>
-                  <a:schemeClr val="bg1"/>
-                </a:solidFill>
-              </a:rPr>
+            <a:r>
+              <a:rPr lang="en-US" dirty="0"/>
               <a:t>“Hosannah, </a:t>
             </a:r>
             <a:r>
-              <a:rPr lang="en-US" sz="3600" dirty="0" err="1">
-                <a:solidFill>
-                  <a:schemeClr val="bg1"/>
-                </a:solidFill>
-              </a:rPr>
+              <a:rPr lang="en-US" dirty="0" err="1"/>
               <a:t>hosannah</a:t>
             </a:r>
             <a:r>
-              <a:rPr lang="en-US" sz="3600" dirty="0">
-                <a:solidFill>
-                  <a:schemeClr val="bg1"/>
-                </a:solidFill>
-              </a:rPr>
+              <a:rPr lang="en-US" dirty="0"/>
               <a:t> to God and the Lamb!”</a:t>
             </a:r>
           </a:p>
           <a:p>
-            <a:pPr algn="ctr"/>
-            <a:r>
-              <a:rPr lang="en-US" sz="3600" dirty="0">
-                <a:solidFill>
-                  <a:schemeClr val="bg1"/>
-                </a:solidFill>
-              </a:rPr>
+            <a:r>
+              <a:rPr lang="en-US" dirty="0"/>
               <a:t>Let glory to them in the highest be given</a:t>
             </a:r>
           </a:p>
           <a:p>
-            <a:pPr algn="ctr"/>
-            <a:r>
-              <a:rPr lang="en-US" sz="3600" dirty="0">
-                <a:solidFill>
-                  <a:schemeClr val="bg1"/>
-                </a:solidFill>
-              </a:rPr>
+            <a:r>
+              <a:rPr lang="en-US" dirty="0"/>
               <a:t>Henceforth and forever!  Amen, and Amen!</a:t>
             </a:r>
           </a:p>
